--- a/ppt/Implement_Results_Reflections.pptx
+++ b/ppt/Implement_Results_Reflections.pptx
@@ -5064,8 +5064,12 @@
               <a:t> </a:t>
             </a:r>
             <a:r>
-              <a:rPr kumimoji="1" lang="en-US" altLang="zh-CN" dirty="0"/>
-              <a:t>camp</a:t>
+              <a:rPr lang="en-US" altLang="zh-CN" dirty="0"/>
+              <a:t>Research</a:t>
+            </a:r>
+            <a:r>
+              <a:rPr lang="zh-CN" altLang="zh-CN" dirty="0"/>
+              <a:t> </a:t>
             </a:r>
             <a:endParaRPr kumimoji="1" lang="zh-CN" altLang="en-US" dirty="0"/>
           </a:p>

--- a/ppt/Implement_Results_Reflections.pptx
+++ b/ppt/Implement_Results_Reflections.pptx
@@ -5370,7 +5370,15 @@
           <a:p>
             <a:r>
               <a:rPr kumimoji="1" lang="en-US" altLang="zh-CN" dirty="0"/>
-              <a:t>Associate Professor Lin Chen</a:t>
+              <a:t>Associate Professor</a:t>
+            </a:r>
+            <a:r>
+              <a:rPr kumimoji="1" lang="en-US" altLang="zh-CN"/>
+              <a:t> Ling </a:t>
+            </a:r>
+            <a:r>
+              <a:rPr kumimoji="1" lang="en-US" altLang="zh-CN" dirty="0"/>
+              <a:t>Chen</a:t>
             </a:r>
           </a:p>
           <a:p>
